--- a/belly_button/Other/screenCaptures.pptx
+++ b/belly_button/Other/screenCaptures.pptx
@@ -7,11 +7,19 @@
   <p:sldIdLst>
     <p:sldId id="256" r:id="rId2"/>
     <p:sldId id="257" r:id="rId3"/>
-    <p:sldId id="258" r:id="rId4"/>
-    <p:sldId id="259" r:id="rId5"/>
-    <p:sldId id="260" r:id="rId6"/>
-    <p:sldId id="261" r:id="rId7"/>
-    <p:sldId id="262" r:id="rId8"/>
+    <p:sldId id="269" r:id="rId4"/>
+    <p:sldId id="270" r:id="rId5"/>
+    <p:sldId id="271" r:id="rId6"/>
+    <p:sldId id="272" r:id="rId7"/>
+    <p:sldId id="258" r:id="rId8"/>
+    <p:sldId id="259" r:id="rId9"/>
+    <p:sldId id="264" r:id="rId10"/>
+    <p:sldId id="263" r:id="rId11"/>
+    <p:sldId id="261" r:id="rId12"/>
+    <p:sldId id="262" r:id="rId13"/>
+    <p:sldId id="266" r:id="rId14"/>
+    <p:sldId id="267" r:id="rId15"/>
+    <p:sldId id="268" r:id="rId16"/>
   </p:sldIdLst>
   <p:sldSz cx="12192000" cy="6858000"/>
   <p:notesSz cx="6858000" cy="9144000"/>
@@ -265,7 +273,7 @@
           <a:p>
             <a:fld id="{FDC189A0-F547-4C8C-8823-3663C44A2F4C}" type="datetimeFigureOut">
               <a:rPr lang="en-US" smtClean="0"/>
-              <a:t>6/11/2019</a:t>
+              <a:t>6/13/2019</a:t>
             </a:fld>
             <a:endParaRPr lang="en-US"/>
           </a:p>
@@ -463,7 +471,7 @@
           <a:p>
             <a:fld id="{FDC189A0-F547-4C8C-8823-3663C44A2F4C}" type="datetimeFigureOut">
               <a:rPr lang="en-US" smtClean="0"/>
-              <a:t>6/11/2019</a:t>
+              <a:t>6/13/2019</a:t>
             </a:fld>
             <a:endParaRPr lang="en-US"/>
           </a:p>
@@ -671,7 +679,7 @@
           <a:p>
             <a:fld id="{FDC189A0-F547-4C8C-8823-3663C44A2F4C}" type="datetimeFigureOut">
               <a:rPr lang="en-US" smtClean="0"/>
-              <a:t>6/11/2019</a:t>
+              <a:t>6/13/2019</a:t>
             </a:fld>
             <a:endParaRPr lang="en-US"/>
           </a:p>
@@ -869,7 +877,7 @@
           <a:p>
             <a:fld id="{FDC189A0-F547-4C8C-8823-3663C44A2F4C}" type="datetimeFigureOut">
               <a:rPr lang="en-US" smtClean="0"/>
-              <a:t>6/11/2019</a:t>
+              <a:t>6/13/2019</a:t>
             </a:fld>
             <a:endParaRPr lang="en-US"/>
           </a:p>
@@ -1144,7 +1152,7 @@
           <a:p>
             <a:fld id="{FDC189A0-F547-4C8C-8823-3663C44A2F4C}" type="datetimeFigureOut">
               <a:rPr lang="en-US" smtClean="0"/>
-              <a:t>6/11/2019</a:t>
+              <a:t>6/13/2019</a:t>
             </a:fld>
             <a:endParaRPr lang="en-US"/>
           </a:p>
@@ -1409,7 +1417,7 @@
           <a:p>
             <a:fld id="{FDC189A0-F547-4C8C-8823-3663C44A2F4C}" type="datetimeFigureOut">
               <a:rPr lang="en-US" smtClean="0"/>
-              <a:t>6/11/2019</a:t>
+              <a:t>6/13/2019</a:t>
             </a:fld>
             <a:endParaRPr lang="en-US"/>
           </a:p>
@@ -1821,7 +1829,7 @@
           <a:p>
             <a:fld id="{FDC189A0-F547-4C8C-8823-3663C44A2F4C}" type="datetimeFigureOut">
               <a:rPr lang="en-US" smtClean="0"/>
-              <a:t>6/11/2019</a:t>
+              <a:t>6/13/2019</a:t>
             </a:fld>
             <a:endParaRPr lang="en-US"/>
           </a:p>
@@ -1962,7 +1970,7 @@
           <a:p>
             <a:fld id="{FDC189A0-F547-4C8C-8823-3663C44A2F4C}" type="datetimeFigureOut">
               <a:rPr lang="en-US" smtClean="0"/>
-              <a:t>6/11/2019</a:t>
+              <a:t>6/13/2019</a:t>
             </a:fld>
             <a:endParaRPr lang="en-US"/>
           </a:p>
@@ -2075,7 +2083,7 @@
           <a:p>
             <a:fld id="{FDC189A0-F547-4C8C-8823-3663C44A2F4C}" type="datetimeFigureOut">
               <a:rPr lang="en-US" smtClean="0"/>
-              <a:t>6/11/2019</a:t>
+              <a:t>6/13/2019</a:t>
             </a:fld>
             <a:endParaRPr lang="en-US"/>
           </a:p>
@@ -2386,7 +2394,7 @@
           <a:p>
             <a:fld id="{FDC189A0-F547-4C8C-8823-3663C44A2F4C}" type="datetimeFigureOut">
               <a:rPr lang="en-US" smtClean="0"/>
-              <a:t>6/11/2019</a:t>
+              <a:t>6/13/2019</a:t>
             </a:fld>
             <a:endParaRPr lang="en-US"/>
           </a:p>
@@ -2674,7 +2682,7 @@
           <a:p>
             <a:fld id="{FDC189A0-F547-4C8C-8823-3663C44A2F4C}" type="datetimeFigureOut">
               <a:rPr lang="en-US" smtClean="0"/>
-              <a:t>6/11/2019</a:t>
+              <a:t>6/13/2019</a:t>
             </a:fld>
             <a:endParaRPr lang="en-US"/>
           </a:p>
@@ -2915,7 +2923,7 @@
           <a:p>
             <a:fld id="{FDC189A0-F547-4C8C-8823-3663C44A2F4C}" type="datetimeFigureOut">
               <a:rPr lang="en-US" smtClean="0"/>
-              <a:t>6/11/2019</a:t>
+              <a:t>6/13/2019</a:t>
             </a:fld>
             <a:endParaRPr lang="en-US"/>
           </a:p>
@@ -3446,6 +3454,767 @@
 </p:sld>
 </file>
 
+<file path=ppt/slides/slide10.xml><?xml version="1.0" encoding="utf-8"?>
+<p:sld xmlns:a="http://schemas.openxmlformats.org/drawingml/2006/main" xmlns:r="http://schemas.openxmlformats.org/officeDocument/2006/relationships" xmlns:p="http://schemas.openxmlformats.org/presentationml/2006/main">
+  <p:cSld>
+    <p:spTree>
+      <p:nvGrpSpPr>
+        <p:cNvPr id="1" name=""/>
+        <p:cNvGrpSpPr/>
+        <p:nvPr/>
+      </p:nvGrpSpPr>
+      <p:grpSpPr>
+        <a:xfrm>
+          <a:off x="0" y="0"/>
+          <a:ext cx="0" cy="0"/>
+          <a:chOff x="0" y="0"/>
+          <a:chExt cx="0" cy="0"/>
+        </a:xfrm>
+      </p:grpSpPr>
+      <p:sp>
+        <p:nvSpPr>
+          <p:cNvPr id="7" name="TextBox 6">
+            <a:extLst>
+              <a:ext uri="{FF2B5EF4-FFF2-40B4-BE49-F238E27FC236}">
+                <a16:creationId xmlns:a16="http://schemas.microsoft.com/office/drawing/2014/main" id="{E16BCCC4-A21B-4E3B-A686-ACE7D34B8A58}"/>
+              </a:ext>
+            </a:extLst>
+          </p:cNvPr>
+          <p:cNvSpPr txBox="1"/>
+          <p:nvPr/>
+        </p:nvSpPr>
+        <p:spPr>
+          <a:xfrm>
+            <a:off x="298580" y="353961"/>
+            <a:ext cx="11635273" cy="369332"/>
+          </a:xfrm>
+          <a:prstGeom prst="rect">
+            <a:avLst/>
+          </a:prstGeom>
+          <a:solidFill>
+            <a:schemeClr val="accent2"/>
+          </a:solidFill>
+        </p:spPr>
+        <p:txBody>
+          <a:bodyPr wrap="square" rtlCol="0">
+            <a:spAutoFit/>
+          </a:bodyPr>
+          <a:lstStyle/>
+          <a:p>
+            <a:r>
+              <a:rPr lang="en-US" dirty="0">
+                <a:solidFill>
+                  <a:schemeClr val="bg1"/>
+                </a:solidFill>
+              </a:rPr>
+              <a:t>Page 1 of 3 – Heroku error logs indicate the ‘samples’ table does not exist: </a:t>
+            </a:r>
+            <a:r>
+              <a:rPr lang="en-US" dirty="0"/>
+              <a:t>$  </a:t>
+            </a:r>
+            <a:r>
+              <a:rPr lang="en-US" b="1" i="1" dirty="0" err="1"/>
+              <a:t>heroku</a:t>
+            </a:r>
+            <a:r>
+              <a:rPr lang="en-US" b="1" i="1" dirty="0"/>
+              <a:t> logs --tail</a:t>
+            </a:r>
+            <a:endParaRPr lang="en-US" b="1" i="1" dirty="0">
+              <a:solidFill>
+                <a:schemeClr val="bg1"/>
+              </a:solidFill>
+            </a:endParaRPr>
+          </a:p>
+        </p:txBody>
+      </p:sp>
+      <p:pic>
+        <p:nvPicPr>
+          <p:cNvPr id="4" name="Picture 3">
+            <a:extLst>
+              <a:ext uri="{FF2B5EF4-FFF2-40B4-BE49-F238E27FC236}">
+                <a16:creationId xmlns:a16="http://schemas.microsoft.com/office/drawing/2014/main" id="{093EDF9E-248B-4C53-A030-ABFA42DC5FFF}"/>
+              </a:ext>
+            </a:extLst>
+          </p:cNvPr>
+          <p:cNvPicPr>
+            <a:picLocks noChangeAspect="1"/>
+          </p:cNvPicPr>
+          <p:nvPr/>
+        </p:nvPicPr>
+        <p:blipFill>
+          <a:blip r:embed="rId2"/>
+          <a:stretch>
+            <a:fillRect/>
+          </a:stretch>
+        </p:blipFill>
+        <p:spPr>
+          <a:xfrm>
+            <a:off x="1032386" y="723293"/>
+            <a:ext cx="10659551" cy="6063076"/>
+          </a:xfrm>
+          <a:prstGeom prst="rect">
+            <a:avLst/>
+          </a:prstGeom>
+        </p:spPr>
+      </p:pic>
+    </p:spTree>
+    <p:extLst>
+      <p:ext uri="{BB962C8B-B14F-4D97-AF65-F5344CB8AC3E}">
+        <p14:creationId xmlns:p14="http://schemas.microsoft.com/office/powerpoint/2010/main" val="1826929577"/>
+      </p:ext>
+    </p:extLst>
+  </p:cSld>
+  <p:clrMapOvr>
+    <a:masterClrMapping/>
+  </p:clrMapOvr>
+</p:sld>
+</file>
+
+<file path=ppt/slides/slide11.xml><?xml version="1.0" encoding="utf-8"?>
+<p:sld xmlns:a="http://schemas.openxmlformats.org/drawingml/2006/main" xmlns:r="http://schemas.openxmlformats.org/officeDocument/2006/relationships" xmlns:p="http://schemas.openxmlformats.org/presentationml/2006/main">
+  <p:cSld>
+    <p:spTree>
+      <p:nvGrpSpPr>
+        <p:cNvPr id="1" name=""/>
+        <p:cNvGrpSpPr/>
+        <p:nvPr/>
+      </p:nvGrpSpPr>
+      <p:grpSpPr>
+        <a:xfrm>
+          <a:off x="0" y="0"/>
+          <a:ext cx="0" cy="0"/>
+          <a:chOff x="0" y="0"/>
+          <a:chExt cx="0" cy="0"/>
+        </a:xfrm>
+      </p:grpSpPr>
+      <p:sp>
+        <p:nvSpPr>
+          <p:cNvPr id="4" name="TextBox 3">
+            <a:extLst>
+              <a:ext uri="{FF2B5EF4-FFF2-40B4-BE49-F238E27FC236}">
+                <a16:creationId xmlns:a16="http://schemas.microsoft.com/office/drawing/2014/main" id="{2EB5A4FD-6BB3-4926-A6C5-3424E7C29A89}"/>
+              </a:ext>
+            </a:extLst>
+          </p:cNvPr>
+          <p:cNvSpPr txBox="1"/>
+          <p:nvPr/>
+        </p:nvSpPr>
+        <p:spPr>
+          <a:xfrm>
+            <a:off x="298580" y="353961"/>
+            <a:ext cx="11635273" cy="369332"/>
+          </a:xfrm>
+          <a:prstGeom prst="rect">
+            <a:avLst/>
+          </a:prstGeom>
+          <a:solidFill>
+            <a:schemeClr val="accent2"/>
+          </a:solidFill>
+        </p:spPr>
+        <p:txBody>
+          <a:bodyPr wrap="square" rtlCol="0">
+            <a:spAutoFit/>
+          </a:bodyPr>
+          <a:lstStyle/>
+          <a:p>
+            <a:r>
+              <a:rPr lang="en-US" dirty="0">
+                <a:solidFill>
+                  <a:schemeClr val="bg1"/>
+                </a:solidFill>
+              </a:rPr>
+              <a:t>Page 2 of 3 - View the issues via this command entry: </a:t>
+            </a:r>
+            <a:r>
+              <a:rPr lang="en-US" dirty="0"/>
+              <a:t>$  </a:t>
+            </a:r>
+            <a:r>
+              <a:rPr lang="en-US" b="1" i="1" dirty="0" err="1"/>
+              <a:t>heroku</a:t>
+            </a:r>
+            <a:r>
+              <a:rPr lang="en-US" b="1" i="1" dirty="0"/>
+              <a:t> logs --tail</a:t>
+            </a:r>
+            <a:endParaRPr lang="en-US" b="1" i="1" dirty="0">
+              <a:solidFill>
+                <a:schemeClr val="bg1"/>
+              </a:solidFill>
+            </a:endParaRPr>
+          </a:p>
+        </p:txBody>
+      </p:sp>
+      <p:pic>
+        <p:nvPicPr>
+          <p:cNvPr id="3" name="Picture 2">
+            <a:extLst>
+              <a:ext uri="{FF2B5EF4-FFF2-40B4-BE49-F238E27FC236}">
+                <a16:creationId xmlns:a16="http://schemas.microsoft.com/office/drawing/2014/main" id="{1B119FCE-FA5F-4332-9312-2B6AD6F0D997}"/>
+              </a:ext>
+            </a:extLst>
+          </p:cNvPr>
+          <p:cNvPicPr>
+            <a:picLocks noChangeAspect="1"/>
+          </p:cNvPicPr>
+          <p:nvPr/>
+        </p:nvPicPr>
+        <p:blipFill>
+          <a:blip r:embed="rId2"/>
+          <a:stretch>
+            <a:fillRect/>
+          </a:stretch>
+        </p:blipFill>
+        <p:spPr>
+          <a:xfrm>
+            <a:off x="969029" y="806739"/>
+            <a:ext cx="10294374" cy="5778826"/>
+          </a:xfrm>
+          <a:prstGeom prst="rect">
+            <a:avLst/>
+          </a:prstGeom>
+        </p:spPr>
+      </p:pic>
+      <p:sp>
+        <p:nvSpPr>
+          <p:cNvPr id="5" name="Rectangle 4">
+            <a:extLst>
+              <a:ext uri="{FF2B5EF4-FFF2-40B4-BE49-F238E27FC236}">
+                <a16:creationId xmlns:a16="http://schemas.microsoft.com/office/drawing/2014/main" id="{D05DC1B5-D065-435A-8CEC-153A8899B42E}"/>
+              </a:ext>
+            </a:extLst>
+          </p:cNvPr>
+          <p:cNvSpPr/>
+          <p:nvPr/>
+        </p:nvSpPr>
+        <p:spPr>
+          <a:xfrm>
+            <a:off x="619432" y="5365102"/>
+            <a:ext cx="7344697" cy="642408"/>
+          </a:xfrm>
+          <a:prstGeom prst="rect">
+            <a:avLst/>
+          </a:prstGeom>
+          <a:noFill/>
+          <a:ln w="57150">
+            <a:solidFill>
+              <a:srgbClr val="FFFF00"/>
+            </a:solidFill>
+          </a:ln>
+        </p:spPr>
+        <p:style>
+          <a:lnRef idx="2">
+            <a:schemeClr val="accent1">
+              <a:shade val="50000"/>
+            </a:schemeClr>
+          </a:lnRef>
+          <a:fillRef idx="1">
+            <a:schemeClr val="accent1"/>
+          </a:fillRef>
+          <a:effectRef idx="0">
+            <a:schemeClr val="accent1"/>
+          </a:effectRef>
+          <a:fontRef idx="minor">
+            <a:schemeClr val="lt1"/>
+          </a:fontRef>
+        </p:style>
+        <p:txBody>
+          <a:bodyPr rtlCol="0" anchor="ctr"/>
+          <a:lstStyle/>
+          <a:p>
+            <a:pPr algn="ctr"/>
+            <a:endParaRPr lang="en-US"/>
+          </a:p>
+        </p:txBody>
+      </p:sp>
+    </p:spTree>
+    <p:extLst>
+      <p:ext uri="{BB962C8B-B14F-4D97-AF65-F5344CB8AC3E}">
+        <p14:creationId xmlns:p14="http://schemas.microsoft.com/office/powerpoint/2010/main" val="961018165"/>
+      </p:ext>
+    </p:extLst>
+  </p:cSld>
+  <p:clrMapOvr>
+    <a:masterClrMapping/>
+  </p:clrMapOvr>
+</p:sld>
+</file>
+
+<file path=ppt/slides/slide12.xml><?xml version="1.0" encoding="utf-8"?>
+<p:sld xmlns:a="http://schemas.openxmlformats.org/drawingml/2006/main" xmlns:r="http://schemas.openxmlformats.org/officeDocument/2006/relationships" xmlns:p="http://schemas.openxmlformats.org/presentationml/2006/main">
+  <p:cSld>
+    <p:spTree>
+      <p:nvGrpSpPr>
+        <p:cNvPr id="1" name=""/>
+        <p:cNvGrpSpPr/>
+        <p:nvPr/>
+      </p:nvGrpSpPr>
+      <p:grpSpPr>
+        <a:xfrm>
+          <a:off x="0" y="0"/>
+          <a:ext cx="0" cy="0"/>
+          <a:chOff x="0" y="0"/>
+          <a:chExt cx="0" cy="0"/>
+        </a:xfrm>
+      </p:grpSpPr>
+      <p:sp>
+        <p:nvSpPr>
+          <p:cNvPr id="4" name="TextBox 3">
+            <a:extLst>
+              <a:ext uri="{FF2B5EF4-FFF2-40B4-BE49-F238E27FC236}">
+                <a16:creationId xmlns:a16="http://schemas.microsoft.com/office/drawing/2014/main" id="{124DEF79-91AA-40B9-B558-05BFDAE56C81}"/>
+              </a:ext>
+            </a:extLst>
+          </p:cNvPr>
+          <p:cNvSpPr txBox="1"/>
+          <p:nvPr/>
+        </p:nvSpPr>
+        <p:spPr>
+          <a:xfrm>
+            <a:off x="298580" y="353961"/>
+            <a:ext cx="11635273" cy="369332"/>
+          </a:xfrm>
+          <a:prstGeom prst="rect">
+            <a:avLst/>
+          </a:prstGeom>
+          <a:solidFill>
+            <a:schemeClr val="accent2"/>
+          </a:solidFill>
+        </p:spPr>
+        <p:txBody>
+          <a:bodyPr wrap="square" rtlCol="0">
+            <a:spAutoFit/>
+          </a:bodyPr>
+          <a:lstStyle/>
+          <a:p>
+            <a:r>
+              <a:rPr lang="en-US" dirty="0">
+                <a:solidFill>
+                  <a:schemeClr val="bg1"/>
+                </a:solidFill>
+              </a:rPr>
+              <a:t>Page 3 of 3 - View the issues via this command entry: </a:t>
+            </a:r>
+            <a:r>
+              <a:rPr lang="en-US" dirty="0"/>
+              <a:t>$  </a:t>
+            </a:r>
+            <a:r>
+              <a:rPr lang="en-US" b="1" i="1" dirty="0" err="1"/>
+              <a:t>heroku</a:t>
+            </a:r>
+            <a:r>
+              <a:rPr lang="en-US" b="1" i="1" dirty="0"/>
+              <a:t> logs --tail</a:t>
+            </a:r>
+            <a:endParaRPr lang="en-US" b="1" i="1" dirty="0">
+              <a:solidFill>
+                <a:schemeClr val="bg1"/>
+              </a:solidFill>
+            </a:endParaRPr>
+          </a:p>
+        </p:txBody>
+      </p:sp>
+      <p:pic>
+        <p:nvPicPr>
+          <p:cNvPr id="2" name="Picture 1">
+            <a:extLst>
+              <a:ext uri="{FF2B5EF4-FFF2-40B4-BE49-F238E27FC236}">
+                <a16:creationId xmlns:a16="http://schemas.microsoft.com/office/drawing/2014/main" id="{8F178004-58D0-4D96-A025-E2AF524374FF}"/>
+              </a:ext>
+            </a:extLst>
+          </p:cNvPr>
+          <p:cNvPicPr>
+            <a:picLocks noChangeAspect="1"/>
+          </p:cNvPicPr>
+          <p:nvPr/>
+        </p:nvPicPr>
+        <p:blipFill>
+          <a:blip r:embed="rId2"/>
+          <a:stretch>
+            <a:fillRect/>
+          </a:stretch>
+        </p:blipFill>
+        <p:spPr>
+          <a:xfrm>
+            <a:off x="830424" y="822466"/>
+            <a:ext cx="10391192" cy="5831847"/>
+          </a:xfrm>
+          <a:prstGeom prst="rect">
+            <a:avLst/>
+          </a:prstGeom>
+        </p:spPr>
+      </p:pic>
+    </p:spTree>
+    <p:extLst>
+      <p:ext uri="{BB962C8B-B14F-4D97-AF65-F5344CB8AC3E}">
+        <p14:creationId xmlns:p14="http://schemas.microsoft.com/office/powerpoint/2010/main" val="1391821663"/>
+      </p:ext>
+    </p:extLst>
+  </p:cSld>
+  <p:clrMapOvr>
+    <a:masterClrMapping/>
+  </p:clrMapOvr>
+</p:sld>
+</file>
+
+<file path=ppt/slides/slide13.xml><?xml version="1.0" encoding="utf-8"?>
+<p:sld xmlns:a="http://schemas.openxmlformats.org/drawingml/2006/main" xmlns:r="http://schemas.openxmlformats.org/officeDocument/2006/relationships" xmlns:p="http://schemas.openxmlformats.org/presentationml/2006/main">
+  <p:cSld>
+    <p:spTree>
+      <p:nvGrpSpPr>
+        <p:cNvPr id="1" name=""/>
+        <p:cNvGrpSpPr/>
+        <p:nvPr/>
+      </p:nvGrpSpPr>
+      <p:grpSpPr>
+        <a:xfrm>
+          <a:off x="0" y="0"/>
+          <a:ext cx="0" cy="0"/>
+          <a:chOff x="0" y="0"/>
+          <a:chExt cx="0" cy="0"/>
+        </a:xfrm>
+      </p:grpSpPr>
+      <p:sp>
+        <p:nvSpPr>
+          <p:cNvPr id="4" name="TextBox 3">
+            <a:extLst>
+              <a:ext uri="{FF2B5EF4-FFF2-40B4-BE49-F238E27FC236}">
+                <a16:creationId xmlns:a16="http://schemas.microsoft.com/office/drawing/2014/main" id="{124DEF79-91AA-40B9-B558-05BFDAE56C81}"/>
+              </a:ext>
+            </a:extLst>
+          </p:cNvPr>
+          <p:cNvSpPr txBox="1"/>
+          <p:nvPr/>
+        </p:nvSpPr>
+        <p:spPr>
+          <a:xfrm>
+            <a:off x="298580" y="353961"/>
+            <a:ext cx="11635273" cy="369332"/>
+          </a:xfrm>
+          <a:prstGeom prst="rect">
+            <a:avLst/>
+          </a:prstGeom>
+          <a:solidFill>
+            <a:schemeClr val="accent2"/>
+          </a:solidFill>
+        </p:spPr>
+        <p:txBody>
+          <a:bodyPr wrap="square" rtlCol="0">
+            <a:spAutoFit/>
+          </a:bodyPr>
+          <a:lstStyle/>
+          <a:p>
+            <a:r>
+              <a:rPr lang="en-US" dirty="0">
+                <a:solidFill>
+                  <a:schemeClr val="bg1"/>
+                </a:solidFill>
+              </a:rPr>
+              <a:t>Successful Deployment of Pet Pal, page 1 of 3</a:t>
+            </a:r>
+            <a:endParaRPr lang="en-US" b="1" i="1" dirty="0">
+              <a:solidFill>
+                <a:schemeClr val="bg1"/>
+              </a:solidFill>
+            </a:endParaRPr>
+          </a:p>
+        </p:txBody>
+      </p:sp>
+      <p:pic>
+        <p:nvPicPr>
+          <p:cNvPr id="3" name="Picture 2">
+            <a:extLst>
+              <a:ext uri="{FF2B5EF4-FFF2-40B4-BE49-F238E27FC236}">
+                <a16:creationId xmlns:a16="http://schemas.microsoft.com/office/drawing/2014/main" id="{1CECA6D2-330E-403C-9C08-4F2D82356949}"/>
+              </a:ext>
+            </a:extLst>
+          </p:cNvPr>
+          <p:cNvPicPr>
+            <a:picLocks noChangeAspect="1"/>
+          </p:cNvPicPr>
+          <p:nvPr/>
+        </p:nvPicPr>
+        <p:blipFill>
+          <a:blip r:embed="rId2"/>
+          <a:stretch>
+            <a:fillRect/>
+          </a:stretch>
+        </p:blipFill>
+        <p:spPr>
+          <a:xfrm>
+            <a:off x="1478901" y="1511145"/>
+            <a:ext cx="9103567" cy="4992894"/>
+          </a:xfrm>
+          <a:prstGeom prst="rect">
+            <a:avLst/>
+          </a:prstGeom>
+        </p:spPr>
+      </p:pic>
+      <p:sp>
+        <p:nvSpPr>
+          <p:cNvPr id="5" name="Rectangle 4">
+            <a:extLst>
+              <a:ext uri="{FF2B5EF4-FFF2-40B4-BE49-F238E27FC236}">
+                <a16:creationId xmlns:a16="http://schemas.microsoft.com/office/drawing/2014/main" id="{813542C5-C068-4D41-AFFD-6CD0E68AC8D2}"/>
+              </a:ext>
+            </a:extLst>
+          </p:cNvPr>
+          <p:cNvSpPr/>
+          <p:nvPr/>
+        </p:nvSpPr>
+        <p:spPr>
+          <a:xfrm>
+            <a:off x="7839655" y="932553"/>
+            <a:ext cx="4094198" cy="369332"/>
+          </a:xfrm>
+          <a:prstGeom prst="rect">
+            <a:avLst/>
+          </a:prstGeom>
+        </p:spPr>
+        <p:txBody>
+          <a:bodyPr wrap="none">
+            <a:spAutoFit/>
+          </a:bodyPr>
+          <a:lstStyle/>
+          <a:p>
+            <a:r>
+              <a:rPr lang="en-US" dirty="0">
+                <a:hlinkClick r:id="rId3"/>
+              </a:rPr>
+              <a:t>https://lorie-viz-day-100.herokuapp.com/</a:t>
+            </a:r>
+            <a:endParaRPr lang="en-US" dirty="0"/>
+          </a:p>
+        </p:txBody>
+      </p:sp>
+    </p:spTree>
+    <p:extLst>
+      <p:ext uri="{BB962C8B-B14F-4D97-AF65-F5344CB8AC3E}">
+        <p14:creationId xmlns:p14="http://schemas.microsoft.com/office/powerpoint/2010/main" val="3656112404"/>
+      </p:ext>
+    </p:extLst>
+  </p:cSld>
+  <p:clrMapOvr>
+    <a:masterClrMapping/>
+  </p:clrMapOvr>
+</p:sld>
+</file>
+
+<file path=ppt/slides/slide14.xml><?xml version="1.0" encoding="utf-8"?>
+<p:sld xmlns:a="http://schemas.openxmlformats.org/drawingml/2006/main" xmlns:r="http://schemas.openxmlformats.org/officeDocument/2006/relationships" xmlns:p="http://schemas.openxmlformats.org/presentationml/2006/main">
+  <p:cSld>
+    <p:spTree>
+      <p:nvGrpSpPr>
+        <p:cNvPr id="1" name=""/>
+        <p:cNvGrpSpPr/>
+        <p:nvPr/>
+      </p:nvGrpSpPr>
+      <p:grpSpPr>
+        <a:xfrm>
+          <a:off x="0" y="0"/>
+          <a:ext cx="0" cy="0"/>
+          <a:chOff x="0" y="0"/>
+          <a:chExt cx="0" cy="0"/>
+        </a:xfrm>
+      </p:grpSpPr>
+      <p:sp>
+        <p:nvSpPr>
+          <p:cNvPr id="4" name="TextBox 3">
+            <a:extLst>
+              <a:ext uri="{FF2B5EF4-FFF2-40B4-BE49-F238E27FC236}">
+                <a16:creationId xmlns:a16="http://schemas.microsoft.com/office/drawing/2014/main" id="{124DEF79-91AA-40B9-B558-05BFDAE56C81}"/>
+              </a:ext>
+            </a:extLst>
+          </p:cNvPr>
+          <p:cNvSpPr txBox="1"/>
+          <p:nvPr/>
+        </p:nvSpPr>
+        <p:spPr>
+          <a:xfrm>
+            <a:off x="278363" y="364760"/>
+            <a:ext cx="11635273" cy="369332"/>
+          </a:xfrm>
+          <a:prstGeom prst="rect">
+            <a:avLst/>
+          </a:prstGeom>
+          <a:solidFill>
+            <a:schemeClr val="accent2"/>
+          </a:solidFill>
+        </p:spPr>
+        <p:txBody>
+          <a:bodyPr wrap="square" rtlCol="0">
+            <a:spAutoFit/>
+          </a:bodyPr>
+          <a:lstStyle/>
+          <a:p>
+            <a:r>
+              <a:rPr lang="en-US" dirty="0">
+                <a:solidFill>
+                  <a:schemeClr val="bg1"/>
+                </a:solidFill>
+              </a:rPr>
+              <a:t>Successful Deployment of Pet Pal, page 2 of 3 --   Enter Data</a:t>
+            </a:r>
+            <a:endParaRPr lang="en-US" b="1" i="1" dirty="0">
+              <a:solidFill>
+                <a:schemeClr val="bg1"/>
+              </a:solidFill>
+            </a:endParaRPr>
+          </a:p>
+        </p:txBody>
+      </p:sp>
+      <p:pic>
+        <p:nvPicPr>
+          <p:cNvPr id="2" name="Picture 1">
+            <a:extLst>
+              <a:ext uri="{FF2B5EF4-FFF2-40B4-BE49-F238E27FC236}">
+                <a16:creationId xmlns:a16="http://schemas.microsoft.com/office/drawing/2014/main" id="{58D783B3-EE5A-47D8-A293-62C7D37720BF}"/>
+              </a:ext>
+            </a:extLst>
+          </p:cNvPr>
+          <p:cNvPicPr>
+            <a:picLocks noChangeAspect="1"/>
+          </p:cNvPicPr>
+          <p:nvPr/>
+        </p:nvPicPr>
+        <p:blipFill>
+          <a:blip r:embed="rId2"/>
+          <a:stretch>
+            <a:fillRect/>
+          </a:stretch>
+        </p:blipFill>
+        <p:spPr>
+          <a:xfrm>
+            <a:off x="1138334" y="1548707"/>
+            <a:ext cx="9346163" cy="4575201"/>
+          </a:xfrm>
+          <a:prstGeom prst="rect">
+            <a:avLst/>
+          </a:prstGeom>
+        </p:spPr>
+      </p:pic>
+    </p:spTree>
+    <p:extLst>
+      <p:ext uri="{BB962C8B-B14F-4D97-AF65-F5344CB8AC3E}">
+        <p14:creationId xmlns:p14="http://schemas.microsoft.com/office/powerpoint/2010/main" val="2226937358"/>
+      </p:ext>
+    </p:extLst>
+  </p:cSld>
+  <p:clrMapOvr>
+    <a:masterClrMapping/>
+  </p:clrMapOvr>
+</p:sld>
+</file>
+
+<file path=ppt/slides/slide15.xml><?xml version="1.0" encoding="utf-8"?>
+<p:sld xmlns:a="http://schemas.openxmlformats.org/drawingml/2006/main" xmlns:r="http://schemas.openxmlformats.org/officeDocument/2006/relationships" xmlns:p="http://schemas.openxmlformats.org/presentationml/2006/main">
+  <p:cSld>
+    <p:spTree>
+      <p:nvGrpSpPr>
+        <p:cNvPr id="1" name=""/>
+        <p:cNvGrpSpPr/>
+        <p:nvPr/>
+      </p:nvGrpSpPr>
+      <p:grpSpPr>
+        <a:xfrm>
+          <a:off x="0" y="0"/>
+          <a:ext cx="0" cy="0"/>
+          <a:chOff x="0" y="0"/>
+          <a:chExt cx="0" cy="0"/>
+        </a:xfrm>
+      </p:grpSpPr>
+      <p:sp>
+        <p:nvSpPr>
+          <p:cNvPr id="4" name="TextBox 3">
+            <a:extLst>
+              <a:ext uri="{FF2B5EF4-FFF2-40B4-BE49-F238E27FC236}">
+                <a16:creationId xmlns:a16="http://schemas.microsoft.com/office/drawing/2014/main" id="{124DEF79-91AA-40B9-B558-05BFDAE56C81}"/>
+              </a:ext>
+            </a:extLst>
+          </p:cNvPr>
+          <p:cNvSpPr txBox="1"/>
+          <p:nvPr/>
+        </p:nvSpPr>
+        <p:spPr>
+          <a:xfrm>
+            <a:off x="278363" y="364760"/>
+            <a:ext cx="11635273" cy="369332"/>
+          </a:xfrm>
+          <a:prstGeom prst="rect">
+            <a:avLst/>
+          </a:prstGeom>
+          <a:solidFill>
+            <a:schemeClr val="accent2"/>
+          </a:solidFill>
+        </p:spPr>
+        <p:txBody>
+          <a:bodyPr wrap="square" rtlCol="0">
+            <a:spAutoFit/>
+          </a:bodyPr>
+          <a:lstStyle/>
+          <a:p>
+            <a:r>
+              <a:rPr lang="en-US" dirty="0">
+                <a:solidFill>
+                  <a:schemeClr val="bg1"/>
+                </a:solidFill>
+              </a:rPr>
+              <a:t>Successful Deployment of Pet Pal, page 3 of 3 --   View Data</a:t>
+            </a:r>
+            <a:endParaRPr lang="en-US" b="1" i="1" dirty="0">
+              <a:solidFill>
+                <a:schemeClr val="bg1"/>
+              </a:solidFill>
+            </a:endParaRPr>
+          </a:p>
+        </p:txBody>
+      </p:sp>
+      <p:pic>
+        <p:nvPicPr>
+          <p:cNvPr id="3" name="Picture 2">
+            <a:extLst>
+              <a:ext uri="{FF2B5EF4-FFF2-40B4-BE49-F238E27FC236}">
+                <a16:creationId xmlns:a16="http://schemas.microsoft.com/office/drawing/2014/main" id="{DADA93E2-75A9-46D7-80E5-746F927F3E54}"/>
+              </a:ext>
+            </a:extLst>
+          </p:cNvPr>
+          <p:cNvPicPr>
+            <a:picLocks noChangeAspect="1"/>
+          </p:cNvPicPr>
+          <p:nvPr/>
+        </p:nvPicPr>
+        <p:blipFill>
+          <a:blip r:embed="rId2"/>
+          <a:stretch>
+            <a:fillRect/>
+          </a:stretch>
+        </p:blipFill>
+        <p:spPr>
+          <a:xfrm>
+            <a:off x="2538162" y="1283109"/>
+            <a:ext cx="7767743" cy="4685072"/>
+          </a:xfrm>
+          <a:prstGeom prst="rect">
+            <a:avLst/>
+          </a:prstGeom>
+        </p:spPr>
+      </p:pic>
+    </p:spTree>
+    <p:extLst>
+      <p:ext uri="{BB962C8B-B14F-4D97-AF65-F5344CB8AC3E}">
+        <p14:creationId xmlns:p14="http://schemas.microsoft.com/office/powerpoint/2010/main" val="2830956997"/>
+      </p:ext>
+    </p:extLst>
+  </p:cSld>
+  <p:clrMapOvr>
+    <a:masterClrMapping/>
+  </p:clrMapOvr>
+</p:sld>
+</file>
+
 <file path=ppt/slides/slide2.xml><?xml version="1.0" encoding="utf-8"?>
 <p:sld xmlns:a="http://schemas.openxmlformats.org/drawingml/2006/main" xmlns:r="http://schemas.openxmlformats.org/officeDocument/2006/relationships" xmlns:p="http://schemas.openxmlformats.org/presentationml/2006/main">
   <p:cSld>
@@ -3569,7 +4338,7 @@
           <p:cNvPr id="5" name="TextBox 4">
             <a:extLst>
               <a:ext uri="{FF2B5EF4-FFF2-40B4-BE49-F238E27FC236}">
-                <a16:creationId xmlns:a16="http://schemas.microsoft.com/office/drawing/2014/main" id="{F874937E-A72B-40D3-90ED-FB2139C1ABBF}"/>
+                <a16:creationId xmlns:a16="http://schemas.microsoft.com/office/drawing/2014/main" id="{F02BCCCC-84B2-44A0-ACE4-224C03DACE2D}"/>
               </a:ext>
             </a:extLst>
           </p:cNvPr>
@@ -3600,21 +4369,24 @@
                   <a:schemeClr val="bg1"/>
                 </a:solidFill>
               </a:rPr>
-              <a:t>Heroku Deployment </a:t>
-            </a:r>
-            <a:r>
-              <a:rPr lang="en-US">
+              <a:t>Localhost -   @</a:t>
+            </a:r>
+            <a:r>
+              <a:rPr lang="en-US" dirty="0" err="1">
                 <a:solidFill>
                   <a:schemeClr val="bg1"/>
                 </a:solidFill>
               </a:rPr>
-              <a:t>appears successful</a:t>
-            </a:r>
-            <a:endParaRPr lang="en-US" dirty="0">
-              <a:solidFill>
-                <a:schemeClr val="bg1"/>
-              </a:solidFill>
-            </a:endParaRPr>
+              <a:t>app.route</a:t>
+            </a:r>
+            <a:r>
+              <a:rPr lang="en-US" dirty="0">
+                <a:solidFill>
+                  <a:schemeClr val="bg1"/>
+                </a:solidFill>
+              </a:rPr>
+              <a:t>("/names")</a:t>
+            </a:r>
           </a:p>
         </p:txBody>
       </p:sp>
@@ -3623,7 +4395,7 @@
           <p:cNvPr id="3" name="Picture 2">
             <a:extLst>
               <a:ext uri="{FF2B5EF4-FFF2-40B4-BE49-F238E27FC236}">
-                <a16:creationId xmlns:a16="http://schemas.microsoft.com/office/drawing/2014/main" id="{F35BB34B-943B-41D4-A653-F45DA10B0F6B}"/>
+                <a16:creationId xmlns:a16="http://schemas.microsoft.com/office/drawing/2014/main" id="{79C5C900-7071-4A09-B2F7-91CA8D2228B9}"/>
               </a:ext>
             </a:extLst>
           </p:cNvPr>
@@ -3640,8 +4412,8 @@
         </p:blipFill>
         <p:spPr>
           <a:xfrm>
-            <a:off x="1918726" y="1242606"/>
-            <a:ext cx="6378603" cy="4372788"/>
+            <a:off x="2529531" y="1390473"/>
+            <a:ext cx="7132938" cy="4077053"/>
           </a:xfrm>
           <a:prstGeom prst="rect">
             <a:avLst/>
@@ -3651,7 +4423,7 @@
     </p:spTree>
     <p:extLst>
       <p:ext uri="{BB962C8B-B14F-4D97-AF65-F5344CB8AC3E}">
-        <p14:creationId xmlns:p14="http://schemas.microsoft.com/office/powerpoint/2010/main" val="339482091"/>
+        <p14:creationId xmlns:p14="http://schemas.microsoft.com/office/powerpoint/2010/main" val="1223450070"/>
       </p:ext>
     </p:extLst>
   </p:cSld>
@@ -3683,7 +4455,7 @@
           <p:cNvPr id="5" name="TextBox 4">
             <a:extLst>
               <a:ext uri="{FF2B5EF4-FFF2-40B4-BE49-F238E27FC236}">
-                <a16:creationId xmlns:a16="http://schemas.microsoft.com/office/drawing/2014/main" id="{F874937E-A72B-40D3-90ED-FB2139C1ABBF}"/>
+                <a16:creationId xmlns:a16="http://schemas.microsoft.com/office/drawing/2014/main" id="{F02BCCCC-84B2-44A0-ACE4-224C03DACE2D}"/>
               </a:ext>
             </a:extLst>
           </p:cNvPr>
@@ -3714,7 +4486,39 @@
                   <a:schemeClr val="bg1"/>
                 </a:solidFill>
               </a:rPr>
-              <a:t>Issues with viewing on Heroku</a:t>
+              <a:t>Localhost -   @</a:t>
+            </a:r>
+            <a:r>
+              <a:rPr lang="en-US" dirty="0" err="1">
+                <a:solidFill>
+                  <a:schemeClr val="bg1"/>
+                </a:solidFill>
+              </a:rPr>
+              <a:t>app.route</a:t>
+            </a:r>
+            <a:r>
+              <a:rPr lang="en-US" dirty="0">
+                <a:solidFill>
+                  <a:schemeClr val="bg1"/>
+                </a:solidFill>
+              </a:rPr>
+              <a:t>("/</a:t>
+            </a:r>
+            <a:r>
+              <a:rPr lang="en-US" dirty="0" err="1">
+                <a:solidFill>
+                  <a:schemeClr val="bg1"/>
+                </a:solidFill>
+              </a:rPr>
+              <a:t>otu</a:t>
+            </a:r>
+            <a:r>
+              <a:rPr lang="en-US" dirty="0">
+                <a:solidFill>
+                  <a:schemeClr val="bg1"/>
+                </a:solidFill>
+              </a:rPr>
+              <a:t>")</a:t>
             </a:r>
           </a:p>
         </p:txBody>
@@ -3724,7 +4528,7 @@
           <p:cNvPr id="2" name="Picture 1">
             <a:extLst>
               <a:ext uri="{FF2B5EF4-FFF2-40B4-BE49-F238E27FC236}">
-                <a16:creationId xmlns:a16="http://schemas.microsoft.com/office/drawing/2014/main" id="{48584B65-D3E9-4787-AE25-F5A7422892A3}"/>
+                <a16:creationId xmlns:a16="http://schemas.microsoft.com/office/drawing/2014/main" id="{8747897A-E5C6-470E-8257-63B67B1F8A97}"/>
               </a:ext>
             </a:extLst>
           </p:cNvPr>
@@ -3741,60 +4545,18 @@
         </p:blipFill>
         <p:spPr>
           <a:xfrm>
-            <a:off x="1571455" y="1019724"/>
-            <a:ext cx="8858865" cy="4818552"/>
+            <a:off x="1992274" y="1255510"/>
+            <a:ext cx="8207451" cy="5410669"/>
           </a:xfrm>
           <a:prstGeom prst="rect">
             <a:avLst/>
           </a:prstGeom>
         </p:spPr>
       </p:pic>
-      <p:sp>
-        <p:nvSpPr>
-          <p:cNvPr id="4" name="TextBox 3">
-            <a:extLst>
-              <a:ext uri="{FF2B5EF4-FFF2-40B4-BE49-F238E27FC236}">
-                <a16:creationId xmlns:a16="http://schemas.microsoft.com/office/drawing/2014/main" id="{11577E2C-7912-4CD1-AD26-C4999BF26501}"/>
-              </a:ext>
-            </a:extLst>
-          </p:cNvPr>
-          <p:cNvSpPr txBox="1"/>
-          <p:nvPr/>
-        </p:nvSpPr>
-        <p:spPr>
-          <a:xfrm>
-            <a:off x="7764314" y="6011462"/>
-            <a:ext cx="4169539" cy="369332"/>
-          </a:xfrm>
-          <a:prstGeom prst="rect">
-            <a:avLst/>
-          </a:prstGeom>
-          <a:noFill/>
-        </p:spPr>
-        <p:txBody>
-          <a:bodyPr wrap="none" rtlCol="0">
-            <a:spAutoFit/>
-          </a:bodyPr>
-          <a:lstStyle/>
-          <a:p>
-            <a:r>
-              <a:rPr lang="en-US" dirty="0"/>
-              <a:t>URL = </a:t>
-            </a:r>
-            <a:r>
-              <a:rPr lang="en-US" dirty="0">
-                <a:hlinkClick r:id="rId3"/>
-              </a:rPr>
-              <a:t>https://lgbellydash.herokuapp.com/</a:t>
-            </a:r>
-            <a:endParaRPr lang="en-US" dirty="0"/>
-          </a:p>
-        </p:txBody>
-      </p:sp>
     </p:spTree>
     <p:extLst>
       <p:ext uri="{BB962C8B-B14F-4D97-AF65-F5344CB8AC3E}">
-        <p14:creationId xmlns:p14="http://schemas.microsoft.com/office/powerpoint/2010/main" val="1353756099"/>
+        <p14:creationId xmlns:p14="http://schemas.microsoft.com/office/powerpoint/2010/main" val="657842404"/>
       </p:ext>
     </p:extLst>
   </p:cSld>
@@ -3823,10 +4585,10 @@
       </p:grpSpPr>
       <p:sp>
         <p:nvSpPr>
-          <p:cNvPr id="7" name="TextBox 6">
-            <a:extLst>
-              <a:ext uri="{FF2B5EF4-FFF2-40B4-BE49-F238E27FC236}">
-                <a16:creationId xmlns:a16="http://schemas.microsoft.com/office/drawing/2014/main" id="{E16BCCC4-A21B-4E3B-A686-ACE7D34B8A58}"/>
+          <p:cNvPr id="5" name="TextBox 4">
+            <a:extLst>
+              <a:ext uri="{FF2B5EF4-FFF2-40B4-BE49-F238E27FC236}">
+                <a16:creationId xmlns:a16="http://schemas.microsoft.com/office/drawing/2014/main" id="{F02BCCCC-84B2-44A0-ACE4-224C03DACE2D}"/>
               </a:ext>
             </a:extLst>
           </p:cNvPr>
@@ -3857,15 +4619,15 @@
                   <a:schemeClr val="bg1"/>
                 </a:solidFill>
               </a:rPr>
-              <a:t>Page 1 of 3 – Per the console, the </a:t>
-            </a:r>
-            <a:r>
-              <a:rPr lang="en-US" b="1" i="1" dirty="0">
+              <a:t>Localhost -   @</a:t>
+            </a:r>
+            <a:r>
+              <a:rPr lang="en-US" dirty="0" err="1">
                 <a:solidFill>
                   <a:schemeClr val="bg1"/>
                 </a:solidFill>
               </a:rPr>
-              <a:t>samples</a:t>
+              <a:t>app.route</a:t>
             </a:r>
             <a:r>
               <a:rPr lang="en-US" dirty="0">
@@ -3873,79 +4635,75 @@
                   <a:schemeClr val="bg1"/>
                 </a:solidFill>
               </a:rPr>
-              <a:t> table exists: </a:t>
-            </a:r>
-            <a:r>
-              <a:rPr lang="en-US" dirty="0"/>
-              <a:t>$  </a:t>
-            </a:r>
-            <a:r>
-              <a:rPr lang="en-US" b="1" i="1" dirty="0" err="1"/>
-              <a:t>heroku</a:t>
-            </a:r>
-            <a:r>
-              <a:rPr lang="en-US" b="1" i="1" dirty="0"/>
-              <a:t> logs --tail</a:t>
-            </a:r>
-            <a:endParaRPr lang="en-US" b="1" i="1" dirty="0">
-              <a:solidFill>
-                <a:schemeClr val="bg1"/>
-              </a:solidFill>
-            </a:endParaRPr>
+              <a:t>("/metadata")</a:t>
+            </a:r>
           </a:p>
         </p:txBody>
       </p:sp>
       <p:pic>
         <p:nvPicPr>
-          <p:cNvPr id="1026" name="Picture 2" descr="C:\Users\lorig\AppData\Local\Temp\SNAGHTML17d252e.PNG">
-            <a:extLst>
-              <a:ext uri="{FF2B5EF4-FFF2-40B4-BE49-F238E27FC236}">
-                <a16:creationId xmlns:a16="http://schemas.microsoft.com/office/drawing/2014/main" id="{E22E3339-BCA7-443B-9A1A-AB4B2E66F2C7}"/>
+          <p:cNvPr id="3" name="Picture 2">
+            <a:extLst>
+              <a:ext uri="{FF2B5EF4-FFF2-40B4-BE49-F238E27FC236}">
+                <a16:creationId xmlns:a16="http://schemas.microsoft.com/office/drawing/2014/main" id="{656C17CA-AC01-403F-BD71-70E213B98D14}"/>
               </a:ext>
             </a:extLst>
           </p:cNvPr>
           <p:cNvPicPr>
-            <a:picLocks noChangeAspect="1" noChangeArrowheads="1"/>
+            <a:picLocks noChangeAspect="1"/>
           </p:cNvPicPr>
           <p:nvPr/>
         </p:nvPicPr>
         <p:blipFill>
-          <a:blip r:embed="rId2">
-            <a:extLst>
-              <a:ext uri="{28A0092B-C50C-407E-A947-70E740481C1C}">
-                <a14:useLocalDpi xmlns:a14="http://schemas.microsoft.com/office/drawing/2010/main" val="0"/>
-              </a:ext>
-            </a:extLst>
-          </a:blip>
-          <a:srcRect/>
+          <a:blip r:embed="rId2"/>
           <a:stretch>
             <a:fillRect/>
           </a:stretch>
         </p:blipFill>
-        <p:spPr bwMode="auto">
-          <a:xfrm>
-            <a:off x="2458063" y="1051361"/>
-            <a:ext cx="6676615" cy="5515964"/>
+        <p:spPr>
+          <a:xfrm>
+            <a:off x="1829720" y="968604"/>
+            <a:ext cx="8532560" cy="5726778"/>
           </a:xfrm>
           <a:prstGeom prst="rect">
             <a:avLst/>
           </a:prstGeom>
-          <a:noFill/>
-          <a:extLst>
-            <a:ext uri="{909E8E84-426E-40DD-AFC4-6F175D3DCCD1}">
-              <a14:hiddenFill xmlns:a14="http://schemas.microsoft.com/office/drawing/2010/main">
-                <a:solidFill>
-                  <a:srgbClr val="FFFFFF"/>
-                </a:solidFill>
-              </a14:hiddenFill>
-            </a:ext>
-          </a:extLst>
+        </p:spPr>
+      </p:pic>
+      <p:pic>
+        <p:nvPicPr>
+          <p:cNvPr id="6" name="Picture 5">
+            <a:extLst>
+              <a:ext uri="{FF2B5EF4-FFF2-40B4-BE49-F238E27FC236}">
+                <a16:creationId xmlns:a16="http://schemas.microsoft.com/office/drawing/2014/main" id="{D3B9FF34-F0F3-4FA8-B08C-DDA07429402D}"/>
+              </a:ext>
+            </a:extLst>
+          </p:cNvPr>
+          <p:cNvPicPr>
+            <a:picLocks noChangeAspect="1"/>
+          </p:cNvPicPr>
+          <p:nvPr/>
+        </p:nvPicPr>
+        <p:blipFill>
+          <a:blip r:embed="rId2"/>
+          <a:stretch>
+            <a:fillRect/>
+          </a:stretch>
+        </p:blipFill>
+        <p:spPr>
+          <a:xfrm>
+            <a:off x="1982120" y="1121004"/>
+            <a:ext cx="8532560" cy="5726778"/>
+          </a:xfrm>
+          <a:prstGeom prst="rect">
+            <a:avLst/>
+          </a:prstGeom>
         </p:spPr>
       </p:pic>
     </p:spTree>
     <p:extLst>
       <p:ext uri="{BB962C8B-B14F-4D97-AF65-F5344CB8AC3E}">
-        <p14:creationId xmlns:p14="http://schemas.microsoft.com/office/powerpoint/2010/main" val="320299700"/>
+        <p14:creationId xmlns:p14="http://schemas.microsoft.com/office/powerpoint/2010/main" val="1103014783"/>
       </p:ext>
     </p:extLst>
   </p:cSld>
@@ -3972,12 +4730,69 @@
           <a:chExt cx="0" cy="0"/>
         </a:xfrm>
       </p:grpSpPr>
+      <p:sp>
+        <p:nvSpPr>
+          <p:cNvPr id="5" name="TextBox 4">
+            <a:extLst>
+              <a:ext uri="{FF2B5EF4-FFF2-40B4-BE49-F238E27FC236}">
+                <a16:creationId xmlns:a16="http://schemas.microsoft.com/office/drawing/2014/main" id="{F02BCCCC-84B2-44A0-ACE4-224C03DACE2D}"/>
+              </a:ext>
+            </a:extLst>
+          </p:cNvPr>
+          <p:cNvSpPr txBox="1"/>
+          <p:nvPr/>
+        </p:nvSpPr>
+        <p:spPr>
+          <a:xfrm>
+            <a:off x="298580" y="353961"/>
+            <a:ext cx="11635273" cy="369332"/>
+          </a:xfrm>
+          <a:prstGeom prst="rect">
+            <a:avLst/>
+          </a:prstGeom>
+          <a:solidFill>
+            <a:schemeClr val="accent2"/>
+          </a:solidFill>
+        </p:spPr>
+        <p:txBody>
+          <a:bodyPr wrap="square" rtlCol="0">
+            <a:spAutoFit/>
+          </a:bodyPr>
+          <a:lstStyle/>
+          <a:p>
+            <a:r>
+              <a:rPr lang="en-US" dirty="0">
+                <a:solidFill>
+                  <a:schemeClr val="bg1"/>
+                </a:solidFill>
+              </a:rPr>
+              <a:t>Localhost -   @</a:t>
+            </a:r>
+            <a:r>
+              <a:rPr lang="en-US" dirty="0" err="1">
+                <a:solidFill>
+                  <a:schemeClr val="bg1"/>
+                </a:solidFill>
+              </a:rPr>
+              <a:t>app.route</a:t>
+            </a:r>
+            <a:r>
+              <a:rPr lang="en-US" dirty="0">
+                <a:solidFill>
+                  <a:schemeClr val="bg1"/>
+                </a:solidFill>
+              </a:rPr>
+              <a:t>("/metadata/&lt;sample&gt;")</a:t>
+            </a:r>
+          </a:p>
+        </p:txBody>
+      </p:sp>
       <p:pic>
         <p:nvPicPr>
           <p:cNvPr id="2" name="Picture 1">
             <a:extLst>
               <a:ext uri="{FF2B5EF4-FFF2-40B4-BE49-F238E27FC236}">
-                <a16:creationId xmlns:a16="http://schemas.microsoft.com/office/drawing/2014/main" id="{F5889DF7-581F-4795-A17A-4AC0B4BA6D1C}"/>
+                <a16:creationId xmlns:a16="http://schemas.microsoft.com/office/drawing/2014/main" id="{F6BF9010-9AD2-44B8-81F6-85B664346BEA}"/>
               </a:ext>
             </a:extLst>
           </p:cNvPr>
@@ -3994,76 +4809,18 @@
         </p:blipFill>
         <p:spPr>
           <a:xfrm>
-            <a:off x="1288527" y="615687"/>
-            <a:ext cx="9879486" cy="6078776"/>
+            <a:off x="3295407" y="2118246"/>
+            <a:ext cx="5601185" cy="2621507"/>
           </a:xfrm>
           <a:prstGeom prst="rect">
             <a:avLst/>
           </a:prstGeom>
         </p:spPr>
       </p:pic>
-      <p:sp>
-        <p:nvSpPr>
-          <p:cNvPr id="4" name="TextBox 3">
-            <a:extLst>
-              <a:ext uri="{FF2B5EF4-FFF2-40B4-BE49-F238E27FC236}">
-                <a16:creationId xmlns:a16="http://schemas.microsoft.com/office/drawing/2014/main" id="{2EB5A4FD-6BB3-4926-A6C5-3424E7C29A89}"/>
-              </a:ext>
-            </a:extLst>
-          </p:cNvPr>
-          <p:cNvSpPr txBox="1"/>
-          <p:nvPr/>
-        </p:nvSpPr>
-        <p:spPr>
-          <a:xfrm>
-            <a:off x="298580" y="353961"/>
-            <a:ext cx="11635273" cy="369332"/>
-          </a:xfrm>
-          <a:prstGeom prst="rect">
-            <a:avLst/>
-          </a:prstGeom>
-          <a:solidFill>
-            <a:schemeClr val="accent2"/>
-          </a:solidFill>
-        </p:spPr>
-        <p:txBody>
-          <a:bodyPr wrap="square" rtlCol="0">
-            <a:spAutoFit/>
-          </a:bodyPr>
-          <a:lstStyle/>
-          <a:p>
-            <a:r>
-              <a:rPr lang="en-US" dirty="0">
-                <a:solidFill>
-                  <a:schemeClr val="bg1"/>
-                </a:solidFill>
-              </a:rPr>
-              <a:t>Page 2 of 3 - View the issues via this command entry: </a:t>
-            </a:r>
-            <a:r>
-              <a:rPr lang="en-US" dirty="0"/>
-              <a:t>$  </a:t>
-            </a:r>
-            <a:r>
-              <a:rPr lang="en-US" b="1" i="1" dirty="0" err="1"/>
-              <a:t>heroku</a:t>
-            </a:r>
-            <a:r>
-              <a:rPr lang="en-US" b="1" i="1" dirty="0"/>
-              <a:t> logs --tail</a:t>
-            </a:r>
-            <a:endParaRPr lang="en-US" b="1" i="1" dirty="0">
-              <a:solidFill>
-                <a:schemeClr val="bg1"/>
-              </a:solidFill>
-            </a:endParaRPr>
-          </a:p>
-        </p:txBody>
-      </p:sp>
     </p:spTree>
     <p:extLst>
       <p:ext uri="{BB962C8B-B14F-4D97-AF65-F5344CB8AC3E}">
-        <p14:creationId xmlns:p14="http://schemas.microsoft.com/office/powerpoint/2010/main" val="961018165"/>
+        <p14:creationId xmlns:p14="http://schemas.microsoft.com/office/powerpoint/2010/main" val="68151974"/>
       </p:ext>
     </p:extLst>
   </p:cSld>
@@ -4090,12 +4847,307 @@
           <a:chExt cx="0" cy="0"/>
         </a:xfrm>
       </p:grpSpPr>
+      <p:sp>
+        <p:nvSpPr>
+          <p:cNvPr id="5" name="TextBox 4">
+            <a:extLst>
+              <a:ext uri="{FF2B5EF4-FFF2-40B4-BE49-F238E27FC236}">
+                <a16:creationId xmlns:a16="http://schemas.microsoft.com/office/drawing/2014/main" id="{F874937E-A72B-40D3-90ED-FB2139C1ABBF}"/>
+              </a:ext>
+            </a:extLst>
+          </p:cNvPr>
+          <p:cNvSpPr txBox="1"/>
+          <p:nvPr/>
+        </p:nvSpPr>
+        <p:spPr>
+          <a:xfrm>
+            <a:off x="298580" y="353961"/>
+            <a:ext cx="11635273" cy="369332"/>
+          </a:xfrm>
+          <a:prstGeom prst="rect">
+            <a:avLst/>
+          </a:prstGeom>
+          <a:solidFill>
+            <a:schemeClr val="accent2"/>
+          </a:solidFill>
+        </p:spPr>
+        <p:txBody>
+          <a:bodyPr wrap="square" rtlCol="0">
+            <a:spAutoFit/>
+          </a:bodyPr>
+          <a:lstStyle/>
+          <a:p>
+            <a:r>
+              <a:rPr lang="en-US" dirty="0">
+                <a:solidFill>
+                  <a:schemeClr val="bg1"/>
+                </a:solidFill>
+              </a:rPr>
+              <a:t>Heroku Deployment appears successful</a:t>
+            </a:r>
+          </a:p>
+        </p:txBody>
+      </p:sp>
+      <p:sp>
+        <p:nvSpPr>
+          <p:cNvPr id="2" name="TextBox 1">
+            <a:extLst>
+              <a:ext uri="{FF2B5EF4-FFF2-40B4-BE49-F238E27FC236}">
+                <a16:creationId xmlns:a16="http://schemas.microsoft.com/office/drawing/2014/main" id="{CFD9C958-2100-486F-AD26-4FB3911AF061}"/>
+              </a:ext>
+            </a:extLst>
+          </p:cNvPr>
+          <p:cNvSpPr txBox="1"/>
+          <p:nvPr/>
+        </p:nvSpPr>
+        <p:spPr>
+          <a:xfrm>
+            <a:off x="2668555" y="2304661"/>
+            <a:ext cx="4618653" cy="646331"/>
+          </a:xfrm>
+          <a:prstGeom prst="rect">
+            <a:avLst/>
+          </a:prstGeom>
+          <a:noFill/>
+        </p:spPr>
+        <p:txBody>
+          <a:bodyPr wrap="square" rtlCol="0">
+            <a:spAutoFit/>
+          </a:bodyPr>
+          <a:lstStyle/>
+          <a:p>
+            <a:r>
+              <a:rPr lang="en-US" dirty="0"/>
+              <a:t>I did not take a screen image; however, there were no errors.</a:t>
+            </a:r>
+          </a:p>
+        </p:txBody>
+      </p:sp>
+    </p:spTree>
+    <p:extLst>
+      <p:ext uri="{BB962C8B-B14F-4D97-AF65-F5344CB8AC3E}">
+        <p14:creationId xmlns:p14="http://schemas.microsoft.com/office/powerpoint/2010/main" val="339482091"/>
+      </p:ext>
+    </p:extLst>
+  </p:cSld>
+  <p:clrMapOvr>
+    <a:masterClrMapping/>
+  </p:clrMapOvr>
+</p:sld>
+</file>
+
+<file path=ppt/slides/slide8.xml><?xml version="1.0" encoding="utf-8"?>
+<p:sld xmlns:a="http://schemas.openxmlformats.org/drawingml/2006/main" xmlns:r="http://schemas.openxmlformats.org/officeDocument/2006/relationships" xmlns:p="http://schemas.openxmlformats.org/presentationml/2006/main">
+  <p:cSld>
+    <p:spTree>
+      <p:nvGrpSpPr>
+        <p:cNvPr id="1" name=""/>
+        <p:cNvGrpSpPr/>
+        <p:nvPr/>
+      </p:nvGrpSpPr>
+      <p:grpSpPr>
+        <a:xfrm>
+          <a:off x="0" y="0"/>
+          <a:ext cx="0" cy="0"/>
+          <a:chOff x="0" y="0"/>
+          <a:chExt cx="0" cy="0"/>
+        </a:xfrm>
+      </p:grpSpPr>
+      <p:sp>
+        <p:nvSpPr>
+          <p:cNvPr id="5" name="TextBox 4">
+            <a:extLst>
+              <a:ext uri="{FF2B5EF4-FFF2-40B4-BE49-F238E27FC236}">
+                <a16:creationId xmlns:a16="http://schemas.microsoft.com/office/drawing/2014/main" id="{F874937E-A72B-40D3-90ED-FB2139C1ABBF}"/>
+              </a:ext>
+            </a:extLst>
+          </p:cNvPr>
+          <p:cNvSpPr txBox="1"/>
+          <p:nvPr/>
+        </p:nvSpPr>
+        <p:spPr>
+          <a:xfrm>
+            <a:off x="298580" y="353961"/>
+            <a:ext cx="11635273" cy="369332"/>
+          </a:xfrm>
+          <a:prstGeom prst="rect">
+            <a:avLst/>
+          </a:prstGeom>
+          <a:solidFill>
+            <a:schemeClr val="accent2"/>
+          </a:solidFill>
+        </p:spPr>
+        <p:txBody>
+          <a:bodyPr wrap="square" rtlCol="0">
+            <a:spAutoFit/>
+          </a:bodyPr>
+          <a:lstStyle/>
+          <a:p>
+            <a:r>
+              <a:rPr lang="en-US" dirty="0">
+                <a:solidFill>
+                  <a:schemeClr val="bg1"/>
+                </a:solidFill>
+              </a:rPr>
+              <a:t>Issues with viewing on Heroku – no data.    </a:t>
+            </a:r>
+          </a:p>
+        </p:txBody>
+      </p:sp>
+      <p:sp>
+        <p:nvSpPr>
+          <p:cNvPr id="4" name="TextBox 3">
+            <a:extLst>
+              <a:ext uri="{FF2B5EF4-FFF2-40B4-BE49-F238E27FC236}">
+                <a16:creationId xmlns:a16="http://schemas.microsoft.com/office/drawing/2014/main" id="{11577E2C-7912-4CD1-AD26-C4999BF26501}"/>
+              </a:ext>
+            </a:extLst>
+          </p:cNvPr>
+          <p:cNvSpPr txBox="1"/>
+          <p:nvPr/>
+        </p:nvSpPr>
+        <p:spPr>
+          <a:xfrm>
+            <a:off x="7652347" y="6011462"/>
+            <a:ext cx="3837525" cy="369332"/>
+          </a:xfrm>
+          <a:prstGeom prst="rect">
+            <a:avLst/>
+          </a:prstGeom>
+          <a:noFill/>
+        </p:spPr>
+        <p:txBody>
+          <a:bodyPr wrap="none" rtlCol="0">
+            <a:spAutoFit/>
+          </a:bodyPr>
+          <a:lstStyle/>
+          <a:p>
+            <a:r>
+              <a:rPr lang="en-US" dirty="0"/>
+              <a:t>URL = </a:t>
+            </a:r>
+            <a:r>
+              <a:rPr lang="en-US" dirty="0">
+                <a:hlinkClick r:id="rId2"/>
+              </a:rPr>
+              <a:t>https://lgbiodiv.herokuapp.com/</a:t>
+            </a:r>
+            <a:endParaRPr lang="en-US" dirty="0"/>
+          </a:p>
+        </p:txBody>
+      </p:sp>
       <p:pic>
         <p:nvPicPr>
           <p:cNvPr id="3" name="Picture 2">
             <a:extLst>
               <a:ext uri="{FF2B5EF4-FFF2-40B4-BE49-F238E27FC236}">
-                <a16:creationId xmlns:a16="http://schemas.microsoft.com/office/drawing/2014/main" id="{1EC4523B-54F2-49E8-BE08-EEE52B8870D3}"/>
+                <a16:creationId xmlns:a16="http://schemas.microsoft.com/office/drawing/2014/main" id="{E17FBF97-4ACF-4F30-BB89-9F701159D6AD}"/>
+              </a:ext>
+            </a:extLst>
+          </p:cNvPr>
+          <p:cNvPicPr>
+            <a:picLocks noChangeAspect="1"/>
+          </p:cNvPicPr>
+          <p:nvPr/>
+        </p:nvPicPr>
+        <p:blipFill>
+          <a:blip r:embed="rId3"/>
+          <a:stretch>
+            <a:fillRect/>
+          </a:stretch>
+        </p:blipFill>
+        <p:spPr>
+          <a:xfrm>
+            <a:off x="1222310" y="850697"/>
+            <a:ext cx="9252857" cy="5033361"/>
+          </a:xfrm>
+          <a:prstGeom prst="rect">
+            <a:avLst/>
+          </a:prstGeom>
+        </p:spPr>
+      </p:pic>
+    </p:spTree>
+    <p:extLst>
+      <p:ext uri="{BB962C8B-B14F-4D97-AF65-F5344CB8AC3E}">
+        <p14:creationId xmlns:p14="http://schemas.microsoft.com/office/powerpoint/2010/main" val="1353756099"/>
+      </p:ext>
+    </p:extLst>
+  </p:cSld>
+  <p:clrMapOvr>
+    <a:masterClrMapping/>
+  </p:clrMapOvr>
+</p:sld>
+</file>
+
+<file path=ppt/slides/slide9.xml><?xml version="1.0" encoding="utf-8"?>
+<p:sld xmlns:a="http://schemas.openxmlformats.org/drawingml/2006/main" xmlns:r="http://schemas.openxmlformats.org/officeDocument/2006/relationships" xmlns:p="http://schemas.openxmlformats.org/presentationml/2006/main">
+  <p:cSld>
+    <p:spTree>
+      <p:nvGrpSpPr>
+        <p:cNvPr id="1" name=""/>
+        <p:cNvGrpSpPr/>
+        <p:nvPr/>
+      </p:nvGrpSpPr>
+      <p:grpSpPr>
+        <a:xfrm>
+          <a:off x="0" y="0"/>
+          <a:ext cx="0" cy="0"/>
+          <a:chOff x="0" y="0"/>
+          <a:chExt cx="0" cy="0"/>
+        </a:xfrm>
+      </p:grpSpPr>
+      <p:sp>
+        <p:nvSpPr>
+          <p:cNvPr id="7" name="TextBox 6">
+            <a:extLst>
+              <a:ext uri="{FF2B5EF4-FFF2-40B4-BE49-F238E27FC236}">
+                <a16:creationId xmlns:a16="http://schemas.microsoft.com/office/drawing/2014/main" id="{E16BCCC4-A21B-4E3B-A686-ACE7D34B8A58}"/>
+              </a:ext>
+            </a:extLst>
+          </p:cNvPr>
+          <p:cNvSpPr txBox="1"/>
+          <p:nvPr/>
+        </p:nvSpPr>
+        <p:spPr>
+          <a:xfrm>
+            <a:off x="298580" y="353961"/>
+            <a:ext cx="11635273" cy="369332"/>
+          </a:xfrm>
+          <a:prstGeom prst="rect">
+            <a:avLst/>
+          </a:prstGeom>
+          <a:solidFill>
+            <a:schemeClr val="accent2"/>
+          </a:solidFill>
+        </p:spPr>
+        <p:txBody>
+          <a:bodyPr wrap="square" rtlCol="0">
+            <a:spAutoFit/>
+          </a:bodyPr>
+          <a:lstStyle/>
+          <a:p>
+            <a:r>
+              <a:rPr lang="en-US" dirty="0">
+                <a:solidFill>
+                  <a:schemeClr val="bg1"/>
+                </a:solidFill>
+              </a:rPr>
+              <a:t>Confirmed the ‘samples’ table exists  (Part of app.py)</a:t>
+            </a:r>
+            <a:endParaRPr lang="en-US" b="1" i="1" dirty="0">
+              <a:solidFill>
+                <a:schemeClr val="bg1"/>
+              </a:solidFill>
+            </a:endParaRPr>
+          </a:p>
+        </p:txBody>
+      </p:sp>
+      <p:pic>
+        <p:nvPicPr>
+          <p:cNvPr id="2" name="Picture 1">
+            <a:extLst>
+              <a:ext uri="{FF2B5EF4-FFF2-40B4-BE49-F238E27FC236}">
+                <a16:creationId xmlns:a16="http://schemas.microsoft.com/office/drawing/2014/main" id="{13A91483-9ACF-463B-BB9D-A51E8C1B4887}"/>
               </a:ext>
             </a:extLst>
           </p:cNvPr>
@@ -4112,8 +5164,8 @@
         </p:blipFill>
         <p:spPr>
           <a:xfrm>
-            <a:off x="1371600" y="2104998"/>
-            <a:ext cx="10120604" cy="2320514"/>
+            <a:off x="1704883" y="1261595"/>
+            <a:ext cx="8390347" cy="3177815"/>
           </a:xfrm>
           <a:prstGeom prst="rect">
             <a:avLst/>
@@ -4122,66 +5174,78 @@
       </p:pic>
       <p:sp>
         <p:nvSpPr>
-          <p:cNvPr id="4" name="TextBox 3">
-            <a:extLst>
-              <a:ext uri="{FF2B5EF4-FFF2-40B4-BE49-F238E27FC236}">
-                <a16:creationId xmlns:a16="http://schemas.microsoft.com/office/drawing/2014/main" id="{124DEF79-91AA-40B9-B558-05BFDAE56C81}"/>
-              </a:ext>
-            </a:extLst>
-          </p:cNvPr>
-          <p:cNvSpPr txBox="1"/>
+          <p:cNvPr id="3" name="Rectangle 2">
+            <a:extLst>
+              <a:ext uri="{FF2B5EF4-FFF2-40B4-BE49-F238E27FC236}">
+                <a16:creationId xmlns:a16="http://schemas.microsoft.com/office/drawing/2014/main" id="{09116141-4C55-42CB-8440-73D4002B6EAE}"/>
+              </a:ext>
+            </a:extLst>
+          </p:cNvPr>
+          <p:cNvSpPr/>
           <p:nvPr/>
         </p:nvSpPr>
         <p:spPr>
           <a:xfrm>
-            <a:off x="298580" y="353961"/>
-            <a:ext cx="11635273" cy="369332"/>
+            <a:off x="665583" y="4580742"/>
+            <a:ext cx="10860833" cy="2031325"/>
           </a:xfrm>
           <a:prstGeom prst="rect">
             <a:avLst/>
           </a:prstGeom>
-          <a:solidFill>
-            <a:schemeClr val="accent2"/>
-          </a:solidFill>
-        </p:spPr>
-        <p:txBody>
-          <a:bodyPr wrap="square" rtlCol="0">
+        </p:spPr>
+        <p:txBody>
+          <a:bodyPr wrap="square">
             <a:spAutoFit/>
           </a:bodyPr>
           <a:lstStyle/>
           <a:p>
             <a:r>
+              <a:rPr lang="en-US" dirty="0"/>
+              <a:t># Heroku cannot find the samples table (see following screens for the detailed error).   This article looks like my issue, but I do not understand this part:</a:t>
+            </a:r>
+          </a:p>
+          <a:p>
+            <a:endParaRPr lang="en-US" dirty="0"/>
+          </a:p>
+          <a:p>
+            <a:pPr lvl="1"/>
+            <a:r>
+              <a:rPr lang="en-US" i="1" dirty="0"/>
+              <a:t>You'll have to commit your database file on your local development machine and push that commit to Heroku</a:t>
+            </a:r>
+            <a:r>
+              <a:rPr lang="en-US" dirty="0"/>
+              <a:t>. </a:t>
+            </a:r>
+          </a:p>
+          <a:p>
+            <a:r>
+              <a:rPr lang="en-US" dirty="0"/>
+              <a:t> </a:t>
+            </a:r>
+          </a:p>
+          <a:p>
+            <a:r>
+              <a:rPr lang="en-US" dirty="0"/>
+              <a:t># </a:t>
+            </a:r>
+            <a:r>
               <a:rPr lang="en-US" dirty="0">
-                <a:solidFill>
-                  <a:schemeClr val="bg1"/>
-                </a:solidFill>
+                <a:hlinkClick r:id="rId3"/>
               </a:rPr>
-              <a:t>Page 3 of 3 - View the issues via this command entry: </a:t>
-            </a:r>
-            <a:r>
-              <a:rPr lang="en-US" dirty="0"/>
-              <a:t>$  </a:t>
-            </a:r>
-            <a:r>
-              <a:rPr lang="en-US" b="1" i="1" dirty="0" err="1"/>
-              <a:t>heroku</a:t>
-            </a:r>
-            <a:r>
-              <a:rPr lang="en-US" b="1" i="1" dirty="0"/>
-              <a:t> logs --tail</a:t>
-            </a:r>
-            <a:endParaRPr lang="en-US" b="1" i="1" dirty="0">
-              <a:solidFill>
-                <a:schemeClr val="bg1"/>
-              </a:solidFill>
-            </a:endParaRPr>
+              <a:t>https://stackoverflow.com/questions/56158266/sqlite3-operationalerror-no-such-table-on-heroku</a:t>
+            </a:r>
+            <a:endParaRPr lang="en-US" dirty="0"/>
+          </a:p>
+          <a:p>
+            <a:endParaRPr lang="en-US" dirty="0"/>
           </a:p>
         </p:txBody>
       </p:sp>
     </p:spTree>
     <p:extLst>
       <p:ext uri="{BB962C8B-B14F-4D97-AF65-F5344CB8AC3E}">
-        <p14:creationId xmlns:p14="http://schemas.microsoft.com/office/powerpoint/2010/main" val="1391821663"/>
+        <p14:creationId xmlns:p14="http://schemas.microsoft.com/office/powerpoint/2010/main" val="762633031"/>
       </p:ext>
     </p:extLst>
   </p:cSld>
